--- a/Conceptos Data educacion.pptx
+++ b/Conceptos Data educacion.pptx
@@ -847,7 +847,7 @@
           <a:p>
             <a:fld id="{4CB23949-D872-4C18-87E1-5AADDA73074B}" type="datetimeFigureOut">
               <a:rPr lang="es-CL" smtClean="0"/>
-              <a:t>14-12-2020</a:t>
+              <a:t>04-01-2021</a:t>
             </a:fld>
             <a:endParaRPr lang="es-CL"/>
           </a:p>
@@ -1098,7 +1098,7 @@
           <a:p>
             <a:fld id="{4CB23949-D872-4C18-87E1-5AADDA73074B}" type="datetimeFigureOut">
               <a:rPr lang="es-CL" smtClean="0"/>
-              <a:t>14-12-2020</a:t>
+              <a:t>04-01-2021</a:t>
             </a:fld>
             <a:endParaRPr lang="es-CL"/>
           </a:p>
@@ -1412,7 +1412,7 @@
           <a:p>
             <a:fld id="{4CB23949-D872-4C18-87E1-5AADDA73074B}" type="datetimeFigureOut">
               <a:rPr lang="es-CL" smtClean="0"/>
-              <a:t>14-12-2020</a:t>
+              <a:t>04-01-2021</a:t>
             </a:fld>
             <a:endParaRPr lang="es-CL"/>
           </a:p>
@@ -1753,7 +1753,7 @@
           <a:p>
             <a:fld id="{4CB23949-D872-4C18-87E1-5AADDA73074B}" type="datetimeFigureOut">
               <a:rPr lang="es-CL" smtClean="0"/>
-              <a:t>14-12-2020</a:t>
+              <a:t>04-01-2021</a:t>
             </a:fld>
             <a:endParaRPr lang="es-CL"/>
           </a:p>
@@ -2067,7 +2067,7 @@
           <a:p>
             <a:fld id="{4CB23949-D872-4C18-87E1-5AADDA73074B}" type="datetimeFigureOut">
               <a:rPr lang="es-CL" smtClean="0"/>
-              <a:t>14-12-2020</a:t>
+              <a:t>04-01-2021</a:t>
             </a:fld>
             <a:endParaRPr lang="es-CL"/>
           </a:p>
@@ -2460,7 +2460,7 @@
           <a:p>
             <a:fld id="{4CB23949-D872-4C18-87E1-5AADDA73074B}" type="datetimeFigureOut">
               <a:rPr lang="es-CL" smtClean="0"/>
-              <a:t>14-12-2020</a:t>
+              <a:t>04-01-2021</a:t>
             </a:fld>
             <a:endParaRPr lang="es-CL"/>
           </a:p>
@@ -2630,7 +2630,7 @@
           <a:p>
             <a:fld id="{4CB23949-D872-4C18-87E1-5AADDA73074B}" type="datetimeFigureOut">
               <a:rPr lang="es-CL" smtClean="0"/>
-              <a:t>14-12-2020</a:t>
+              <a:t>04-01-2021</a:t>
             </a:fld>
             <a:endParaRPr lang="es-CL"/>
           </a:p>
@@ -2810,7 +2810,7 @@
           <a:p>
             <a:fld id="{4CB23949-D872-4C18-87E1-5AADDA73074B}" type="datetimeFigureOut">
               <a:rPr lang="es-CL" smtClean="0"/>
-              <a:t>14-12-2020</a:t>
+              <a:t>04-01-2021</a:t>
             </a:fld>
             <a:endParaRPr lang="es-CL"/>
           </a:p>
@@ -2986,7 +2986,7 @@
           <a:p>
             <a:fld id="{4CB23949-D872-4C18-87E1-5AADDA73074B}" type="datetimeFigureOut">
               <a:rPr lang="es-CL" smtClean="0"/>
-              <a:t>14-12-2020</a:t>
+              <a:t>04-01-2021</a:t>
             </a:fld>
             <a:endParaRPr lang="es-CL"/>
           </a:p>
@@ -3233,7 +3233,7 @@
           <a:p>
             <a:fld id="{4CB23949-D872-4C18-87E1-5AADDA73074B}" type="datetimeFigureOut">
               <a:rPr lang="es-CL" smtClean="0"/>
-              <a:t>14-12-2020</a:t>
+              <a:t>04-01-2021</a:t>
             </a:fld>
             <a:endParaRPr lang="es-CL"/>
           </a:p>
@@ -3465,7 +3465,7 @@
           <a:p>
             <a:fld id="{4CB23949-D872-4C18-87E1-5AADDA73074B}" type="datetimeFigureOut">
               <a:rPr lang="es-CL" smtClean="0"/>
-              <a:t>14-12-2020</a:t>
+              <a:t>04-01-2021</a:t>
             </a:fld>
             <a:endParaRPr lang="es-CL"/>
           </a:p>
@@ -3839,7 +3839,7 @@
           <a:p>
             <a:fld id="{4CB23949-D872-4C18-87E1-5AADDA73074B}" type="datetimeFigureOut">
               <a:rPr lang="es-CL" smtClean="0"/>
-              <a:t>14-12-2020</a:t>
+              <a:t>04-01-2021</a:t>
             </a:fld>
             <a:endParaRPr lang="es-CL"/>
           </a:p>
@@ -3962,7 +3962,7 @@
           <a:p>
             <a:fld id="{4CB23949-D872-4C18-87E1-5AADDA73074B}" type="datetimeFigureOut">
               <a:rPr lang="es-CL" smtClean="0"/>
-              <a:t>14-12-2020</a:t>
+              <a:t>04-01-2021</a:t>
             </a:fld>
             <a:endParaRPr lang="es-CL"/>
           </a:p>
@@ -4057,7 +4057,7 @@
           <a:p>
             <a:fld id="{4CB23949-D872-4C18-87E1-5AADDA73074B}" type="datetimeFigureOut">
               <a:rPr lang="es-CL" smtClean="0"/>
-              <a:t>14-12-2020</a:t>
+              <a:t>04-01-2021</a:t>
             </a:fld>
             <a:endParaRPr lang="es-CL"/>
           </a:p>
@@ -4312,7 +4312,7 @@
           <a:p>
             <a:fld id="{4CB23949-D872-4C18-87E1-5AADDA73074B}" type="datetimeFigureOut">
               <a:rPr lang="es-CL" smtClean="0"/>
-              <a:t>14-12-2020</a:t>
+              <a:t>04-01-2021</a:t>
             </a:fld>
             <a:endParaRPr lang="es-CL"/>
           </a:p>
@@ -4575,7 +4575,7 @@
           <a:p>
             <a:fld id="{4CB23949-D872-4C18-87E1-5AADDA73074B}" type="datetimeFigureOut">
               <a:rPr lang="es-CL" smtClean="0"/>
-              <a:t>14-12-2020</a:t>
+              <a:t>04-01-2021</a:t>
             </a:fld>
             <a:endParaRPr lang="es-CL"/>
           </a:p>
@@ -5318,7 +5318,7 @@
           <a:p>
             <a:fld id="{4CB23949-D872-4C18-87E1-5AADDA73074B}" type="datetimeFigureOut">
               <a:rPr lang="es-CL" smtClean="0"/>
-              <a:t>14-12-2020</a:t>
+              <a:t>04-01-2021</a:t>
             </a:fld>
             <a:endParaRPr lang="es-CL"/>
           </a:p>
@@ -7422,7 +7422,9 @@
           </a:xfrm>
         </p:spPr>
         <p:txBody>
-          <a:bodyPr/>
+          <a:bodyPr>
+            <a:normAutofit lnSpcReduction="10000"/>
+          </a:bodyPr>
           <a:lstStyle/>
           <a:p>
             <a:r>
@@ -7470,13 +7472,14 @@
               <a:t>Corporación de Administración Delegada (DL 3166): </a:t>
             </a:r>
             <a:r>
-              <a:rPr lang="es-CL" sz="1800" dirty="0">
+              <a:rPr lang="es-ES" sz="1800" b="0" i="0" u="none" strike="noStrike" dirty="0">
+                <a:solidFill>
+                  <a:srgbClr val="000000"/>
+                </a:solidFill>
                 <a:effectLst/>
                 <a:latin typeface="Calibri" panose="020F0502020204030204" pitchFamily="34" charset="0"/>
-                <a:ea typeface="Calibri" panose="020F0502020204030204" pitchFamily="34" charset="0"/>
-                <a:cs typeface="Times New Roman" panose="02020603050405020304" pitchFamily="18" charset="0"/>
               </a:rPr>
-              <a:t>un sostenedor privado el que administra o gestiona el establecimiento educacional, que es de propiedad del estado, y que recibe recursos del estado para su funcionamiento. Esta modalidad está restringida tanto a sostenedores de derecho privado sin fines de lucro, como aquellos que imparten educación técnico profesional.</a:t>
+              <a:t>El Ministerio de Educación Pública podrá entregar la administración de determinados establecimientos de Educación Técnico Profesional de carácter fiscal a instituciones del sector público, o a personas jurídicas que no persigan fines de lucro, cuyo objeto principal diga relación directa con las finalidades perseguidas con la creación del respectivo establecimiento educacional. </a:t>
             </a:r>
           </a:p>
           <a:p>
@@ -7493,68 +7496,57 @@
               <a:t>Servicio Local de Educación: </a:t>
             </a:r>
             <a:r>
-              <a:rPr lang="es-CL" sz="1800" dirty="0">
+              <a:rPr lang="es-ES" sz="1800" dirty="0">
                 <a:effectLst/>
                 <a:latin typeface="Calibri" panose="020F0502020204030204" pitchFamily="34" charset="0"/>
                 <a:ea typeface="Calibri" panose="020F0502020204030204" pitchFamily="34" charset="0"/>
                 <a:cs typeface="Times New Roman" panose="02020603050405020304" pitchFamily="18" charset="0"/>
               </a:rPr>
-              <a:t>Sistema de Educación Pública, en donde se </a:t>
-            </a:r>
-            <a:r>
-              <a:rPr lang="es-CL" sz="1800" dirty="0" err="1">
+              <a:t>Los </a:t>
+            </a:r>
+            <a:r>
+              <a:rPr lang="es-ES" sz="1800" dirty="0" err="1">
                 <a:effectLst/>
                 <a:latin typeface="Calibri" panose="020F0502020204030204" pitchFamily="34" charset="0"/>
                 <a:ea typeface="Calibri" panose="020F0502020204030204" pitchFamily="34" charset="0"/>
                 <a:cs typeface="Times New Roman" panose="02020603050405020304" pitchFamily="18" charset="0"/>
               </a:rPr>
-              <a:t>transferiran</a:t>
-            </a:r>
-            <a:r>
-              <a:rPr lang="es-CL" sz="1800" dirty="0">
+              <a:t>SLEP</a:t>
+            </a:r>
+            <a:r>
+              <a:rPr lang="es-ES" sz="1800" dirty="0">
                 <a:effectLst/>
                 <a:latin typeface="Calibri" panose="020F0502020204030204" pitchFamily="34" charset="0"/>
                 <a:ea typeface="Calibri" panose="020F0502020204030204" pitchFamily="34" charset="0"/>
                 <a:cs typeface="Times New Roman" panose="02020603050405020304" pitchFamily="18" charset="0"/>
               </a:rPr>
-              <a:t> los establecimientos educacionales de los 345 municipios del país a 70 nuevos servicios. Los </a:t>
-            </a:r>
-            <a:r>
-              <a:rPr lang="es-CL" sz="1800" dirty="0" err="1">
+              <a:t> son los sostenedores educacionales que velarán por entregar una formación integral, de calidad y con pertinencia local, centrado en los aprendizajes para el siglo XXI. Una de sus principales misiones es entregar oportunidades a todos los niños, niñas y jóvenes en el país para poder desarrollarse. En noviembre del 2017, la Ley 21.040 estableció una nueva institucionalidad para la Educación Pública en Chile, donde se traspasan los establecimientos educacionales, jardines infantiles </a:t>
+            </a:r>
+            <a:r>
+              <a:rPr lang="es-ES" sz="1800" dirty="0" err="1">
                 <a:effectLst/>
                 <a:latin typeface="Calibri" panose="020F0502020204030204" pitchFamily="34" charset="0"/>
                 <a:ea typeface="Calibri" panose="020F0502020204030204" pitchFamily="34" charset="0"/>
                 <a:cs typeface="Times New Roman" panose="02020603050405020304" pitchFamily="18" charset="0"/>
               </a:rPr>
-              <a:t>SLE</a:t>
-            </a:r>
-            <a:r>
-              <a:rPr lang="es-CL" sz="1800" dirty="0">
+              <a:t>VTF</a:t>
+            </a:r>
+            <a:r>
+              <a:rPr lang="es-ES" sz="1800" dirty="0">
                 <a:effectLst/>
                 <a:latin typeface="Calibri" panose="020F0502020204030204" pitchFamily="34" charset="0"/>
                 <a:ea typeface="Calibri" panose="020F0502020204030204" pitchFamily="34" charset="0"/>
                 <a:cs typeface="Times New Roman" panose="02020603050405020304" pitchFamily="18" charset="0"/>
               </a:rPr>
-              <a:t> constituirán servicios públicos descentralizados cuyo objeto único será la provisión del servicio educacional en sus respectivos territorios de competencia. La coordinación de todos los </a:t>
-            </a:r>
-            <a:r>
-              <a:rPr lang="es-CL" sz="1800" dirty="0" err="1">
-                <a:effectLst/>
-                <a:latin typeface="Calibri" panose="020F0502020204030204" pitchFamily="34" charset="0"/>
-                <a:ea typeface="Calibri" panose="020F0502020204030204" pitchFamily="34" charset="0"/>
-                <a:cs typeface="Times New Roman" panose="02020603050405020304" pitchFamily="18" charset="0"/>
-              </a:rPr>
-              <a:t>SLE</a:t>
-            </a:r>
-            <a:r>
-              <a:rPr lang="es-CL" sz="1800" dirty="0">
-                <a:effectLst/>
-                <a:latin typeface="Calibri" panose="020F0502020204030204" pitchFamily="34" charset="0"/>
-                <a:ea typeface="Calibri" panose="020F0502020204030204" pitchFamily="34" charset="0"/>
-                <a:cs typeface="Times New Roman" panose="02020603050405020304" pitchFamily="18" charset="0"/>
-              </a:rPr>
-              <a:t> está a cargo de la Dirección de Educación Pública del Ministerio de Educación</a:t>
-            </a:r>
+              <a:t>, escuelas y liceos de los 345 municipios a 70 Servicios Locales de Educación Pública. Se espera que los servicios educacionales de todas las comunas restantes estén implementados hacia el 2025.</a:t>
+            </a:r>
+          </a:p>
+          <a:p>
+            <a:endParaRPr lang="es-ES" b="1" u="sng" dirty="0">
+              <a:latin typeface="Calibri" panose="020F0502020204030204" pitchFamily="34" charset="0"/>
+              <a:ea typeface="Calibri" panose="020F0502020204030204" pitchFamily="34" charset="0"/>
+              <a:cs typeface="Times New Roman" panose="02020603050405020304" pitchFamily="18" charset="0"/>
+            </a:endParaRPr>
           </a:p>
           <a:p>
             <a:r>

--- a/Conceptos Data educacion.pptx
+++ b/Conceptos Data educacion.pptx
@@ -847,7 +847,7 @@
           <a:p>
             <a:fld id="{4CB23949-D872-4C18-87E1-5AADDA73074B}" type="datetimeFigureOut">
               <a:rPr lang="es-CL" smtClean="0"/>
-              <a:t>04-01-2021</a:t>
+              <a:t>09-07-2021</a:t>
             </a:fld>
             <a:endParaRPr lang="es-CL"/>
           </a:p>
@@ -1098,7 +1098,7 @@
           <a:p>
             <a:fld id="{4CB23949-D872-4C18-87E1-5AADDA73074B}" type="datetimeFigureOut">
               <a:rPr lang="es-CL" smtClean="0"/>
-              <a:t>04-01-2021</a:t>
+              <a:t>09-07-2021</a:t>
             </a:fld>
             <a:endParaRPr lang="es-CL"/>
           </a:p>
@@ -1412,7 +1412,7 @@
           <a:p>
             <a:fld id="{4CB23949-D872-4C18-87E1-5AADDA73074B}" type="datetimeFigureOut">
               <a:rPr lang="es-CL" smtClean="0"/>
-              <a:t>04-01-2021</a:t>
+              <a:t>09-07-2021</a:t>
             </a:fld>
             <a:endParaRPr lang="es-CL"/>
           </a:p>
@@ -1753,7 +1753,7 @@
           <a:p>
             <a:fld id="{4CB23949-D872-4C18-87E1-5AADDA73074B}" type="datetimeFigureOut">
               <a:rPr lang="es-CL" smtClean="0"/>
-              <a:t>04-01-2021</a:t>
+              <a:t>09-07-2021</a:t>
             </a:fld>
             <a:endParaRPr lang="es-CL"/>
           </a:p>
@@ -2067,7 +2067,7 @@
           <a:p>
             <a:fld id="{4CB23949-D872-4C18-87E1-5AADDA73074B}" type="datetimeFigureOut">
               <a:rPr lang="es-CL" smtClean="0"/>
-              <a:t>04-01-2021</a:t>
+              <a:t>09-07-2021</a:t>
             </a:fld>
             <a:endParaRPr lang="es-CL"/>
           </a:p>
@@ -2460,7 +2460,7 @@
           <a:p>
             <a:fld id="{4CB23949-D872-4C18-87E1-5AADDA73074B}" type="datetimeFigureOut">
               <a:rPr lang="es-CL" smtClean="0"/>
-              <a:t>04-01-2021</a:t>
+              <a:t>09-07-2021</a:t>
             </a:fld>
             <a:endParaRPr lang="es-CL"/>
           </a:p>
@@ -2630,7 +2630,7 @@
           <a:p>
             <a:fld id="{4CB23949-D872-4C18-87E1-5AADDA73074B}" type="datetimeFigureOut">
               <a:rPr lang="es-CL" smtClean="0"/>
-              <a:t>04-01-2021</a:t>
+              <a:t>09-07-2021</a:t>
             </a:fld>
             <a:endParaRPr lang="es-CL"/>
           </a:p>
@@ -2810,7 +2810,7 @@
           <a:p>
             <a:fld id="{4CB23949-D872-4C18-87E1-5AADDA73074B}" type="datetimeFigureOut">
               <a:rPr lang="es-CL" smtClean="0"/>
-              <a:t>04-01-2021</a:t>
+              <a:t>09-07-2021</a:t>
             </a:fld>
             <a:endParaRPr lang="es-CL"/>
           </a:p>
@@ -2986,7 +2986,7 @@
           <a:p>
             <a:fld id="{4CB23949-D872-4C18-87E1-5AADDA73074B}" type="datetimeFigureOut">
               <a:rPr lang="es-CL" smtClean="0"/>
-              <a:t>04-01-2021</a:t>
+              <a:t>09-07-2021</a:t>
             </a:fld>
             <a:endParaRPr lang="es-CL"/>
           </a:p>
@@ -3233,7 +3233,7 @@
           <a:p>
             <a:fld id="{4CB23949-D872-4C18-87E1-5AADDA73074B}" type="datetimeFigureOut">
               <a:rPr lang="es-CL" smtClean="0"/>
-              <a:t>04-01-2021</a:t>
+              <a:t>09-07-2021</a:t>
             </a:fld>
             <a:endParaRPr lang="es-CL"/>
           </a:p>
@@ -3465,7 +3465,7 @@
           <a:p>
             <a:fld id="{4CB23949-D872-4C18-87E1-5AADDA73074B}" type="datetimeFigureOut">
               <a:rPr lang="es-CL" smtClean="0"/>
-              <a:t>04-01-2021</a:t>
+              <a:t>09-07-2021</a:t>
             </a:fld>
             <a:endParaRPr lang="es-CL"/>
           </a:p>
@@ -3839,7 +3839,7 @@
           <a:p>
             <a:fld id="{4CB23949-D872-4C18-87E1-5AADDA73074B}" type="datetimeFigureOut">
               <a:rPr lang="es-CL" smtClean="0"/>
-              <a:t>04-01-2021</a:t>
+              <a:t>09-07-2021</a:t>
             </a:fld>
             <a:endParaRPr lang="es-CL"/>
           </a:p>
@@ -3962,7 +3962,7 @@
           <a:p>
             <a:fld id="{4CB23949-D872-4C18-87E1-5AADDA73074B}" type="datetimeFigureOut">
               <a:rPr lang="es-CL" smtClean="0"/>
-              <a:t>04-01-2021</a:t>
+              <a:t>09-07-2021</a:t>
             </a:fld>
             <a:endParaRPr lang="es-CL"/>
           </a:p>
@@ -4057,7 +4057,7 @@
           <a:p>
             <a:fld id="{4CB23949-D872-4C18-87E1-5AADDA73074B}" type="datetimeFigureOut">
               <a:rPr lang="es-CL" smtClean="0"/>
-              <a:t>04-01-2021</a:t>
+              <a:t>09-07-2021</a:t>
             </a:fld>
             <a:endParaRPr lang="es-CL"/>
           </a:p>
@@ -4312,7 +4312,7 @@
           <a:p>
             <a:fld id="{4CB23949-D872-4C18-87E1-5AADDA73074B}" type="datetimeFigureOut">
               <a:rPr lang="es-CL" smtClean="0"/>
-              <a:t>04-01-2021</a:t>
+              <a:t>09-07-2021</a:t>
             </a:fld>
             <a:endParaRPr lang="es-CL"/>
           </a:p>
@@ -4575,7 +4575,7 @@
           <a:p>
             <a:fld id="{4CB23949-D872-4C18-87E1-5AADDA73074B}" type="datetimeFigureOut">
               <a:rPr lang="es-CL" smtClean="0"/>
-              <a:t>04-01-2021</a:t>
+              <a:t>09-07-2021</a:t>
             </a:fld>
             <a:endParaRPr lang="es-CL"/>
           </a:p>
@@ -5318,7 +5318,7 @@
           <a:p>
             <a:fld id="{4CB23949-D872-4C18-87E1-5AADDA73074B}" type="datetimeFigureOut">
               <a:rPr lang="es-CL" smtClean="0"/>
-              <a:t>04-01-2021</a:t>
+              <a:t>09-07-2021</a:t>
             </a:fld>
             <a:endParaRPr lang="es-CL"/>
           </a:p>
@@ -6794,7 +6794,7 @@
                 <a:effectLst/>
                 <a:latin typeface="gobclregular"/>
               </a:rPr>
-              <a:t>Autoestima académica y motivación escolar</a:t>
+              <a:t>Autoestima Académica y Motivación Escolar</a:t>
             </a:r>
             <a:r>
               <a:rPr lang="es-ES" b="0" i="0" dirty="0">
@@ -6837,7 +6837,7 @@
                 <a:effectLst/>
                 <a:latin typeface="gobclregular"/>
               </a:rPr>
-              <a:t>Clima de Convivencia escolar</a:t>
+              <a:t>Clima de Convivencia Escolar</a:t>
             </a:r>
             <a:r>
               <a:rPr lang="es-ES" b="0" i="0" dirty="0">
@@ -6880,7 +6880,20 @@
                 <a:effectLst/>
                 <a:latin typeface="gobclregular"/>
               </a:rPr>
-              <a:t>Participación y formación ciudadana</a:t>
+              <a:t>Participación y Formación </a:t>
+            </a:r>
+            <a:r>
+              <a:rPr lang="es-ES" b="1" dirty="0">
+                <a:latin typeface="gobclregular"/>
+              </a:rPr>
+              <a:t>C</a:t>
+            </a:r>
+            <a:r>
+              <a:rPr lang="es-ES" b="1" i="0" dirty="0">
+                <a:effectLst/>
+                <a:latin typeface="gobclregular"/>
+              </a:rPr>
+              <a:t>iudadana</a:t>
             </a:r>
             <a:r>
               <a:rPr lang="es-ES" b="0" i="0" dirty="0">
@@ -6923,7 +6936,20 @@
                 <a:effectLst/>
                 <a:latin typeface="gobclregular"/>
               </a:rPr>
-              <a:t>Hábitos de vida saludable</a:t>
+              <a:t>Hábitos de Vida </a:t>
+            </a:r>
+            <a:r>
+              <a:rPr lang="es-ES" b="1" dirty="0">
+                <a:latin typeface="gobclregular"/>
+              </a:rPr>
+              <a:t>S</a:t>
+            </a:r>
+            <a:r>
+              <a:rPr lang="es-ES" b="1" i="0" dirty="0">
+                <a:effectLst/>
+                <a:latin typeface="gobclregular"/>
+              </a:rPr>
+              <a:t>aludable</a:t>
             </a:r>
             <a:r>
               <a:rPr lang="es-ES" b="0" i="0" dirty="0">

--- a/Conceptos Data educacion.pptx
+++ b/Conceptos Data educacion.pptx
@@ -847,7 +847,7 @@
           <a:p>
             <a:fld id="{4CB23949-D872-4C18-87E1-5AADDA73074B}" type="datetimeFigureOut">
               <a:rPr lang="es-CL" smtClean="0"/>
-              <a:t>09-07-2021</a:t>
+              <a:t>25-10-2021</a:t>
             </a:fld>
             <a:endParaRPr lang="es-CL"/>
           </a:p>
@@ -1098,7 +1098,7 @@
           <a:p>
             <a:fld id="{4CB23949-D872-4C18-87E1-5AADDA73074B}" type="datetimeFigureOut">
               <a:rPr lang="es-CL" smtClean="0"/>
-              <a:t>09-07-2021</a:t>
+              <a:t>25-10-2021</a:t>
             </a:fld>
             <a:endParaRPr lang="es-CL"/>
           </a:p>
@@ -1412,7 +1412,7 @@
           <a:p>
             <a:fld id="{4CB23949-D872-4C18-87E1-5AADDA73074B}" type="datetimeFigureOut">
               <a:rPr lang="es-CL" smtClean="0"/>
-              <a:t>09-07-2021</a:t>
+              <a:t>25-10-2021</a:t>
             </a:fld>
             <a:endParaRPr lang="es-CL"/>
           </a:p>
@@ -1753,7 +1753,7 @@
           <a:p>
             <a:fld id="{4CB23949-D872-4C18-87E1-5AADDA73074B}" type="datetimeFigureOut">
               <a:rPr lang="es-CL" smtClean="0"/>
-              <a:t>09-07-2021</a:t>
+              <a:t>25-10-2021</a:t>
             </a:fld>
             <a:endParaRPr lang="es-CL"/>
           </a:p>
@@ -2067,7 +2067,7 @@
           <a:p>
             <a:fld id="{4CB23949-D872-4C18-87E1-5AADDA73074B}" type="datetimeFigureOut">
               <a:rPr lang="es-CL" smtClean="0"/>
-              <a:t>09-07-2021</a:t>
+              <a:t>25-10-2021</a:t>
             </a:fld>
             <a:endParaRPr lang="es-CL"/>
           </a:p>
@@ -2460,7 +2460,7 @@
           <a:p>
             <a:fld id="{4CB23949-D872-4C18-87E1-5AADDA73074B}" type="datetimeFigureOut">
               <a:rPr lang="es-CL" smtClean="0"/>
-              <a:t>09-07-2021</a:t>
+              <a:t>25-10-2021</a:t>
             </a:fld>
             <a:endParaRPr lang="es-CL"/>
           </a:p>
@@ -2630,7 +2630,7 @@
           <a:p>
             <a:fld id="{4CB23949-D872-4C18-87E1-5AADDA73074B}" type="datetimeFigureOut">
               <a:rPr lang="es-CL" smtClean="0"/>
-              <a:t>09-07-2021</a:t>
+              <a:t>25-10-2021</a:t>
             </a:fld>
             <a:endParaRPr lang="es-CL"/>
           </a:p>
@@ -2810,7 +2810,7 @@
           <a:p>
             <a:fld id="{4CB23949-D872-4C18-87E1-5AADDA73074B}" type="datetimeFigureOut">
               <a:rPr lang="es-CL" smtClean="0"/>
-              <a:t>09-07-2021</a:t>
+              <a:t>25-10-2021</a:t>
             </a:fld>
             <a:endParaRPr lang="es-CL"/>
           </a:p>
@@ -2986,7 +2986,7 @@
           <a:p>
             <a:fld id="{4CB23949-D872-4C18-87E1-5AADDA73074B}" type="datetimeFigureOut">
               <a:rPr lang="es-CL" smtClean="0"/>
-              <a:t>09-07-2021</a:t>
+              <a:t>25-10-2021</a:t>
             </a:fld>
             <a:endParaRPr lang="es-CL"/>
           </a:p>
@@ -3233,7 +3233,7 @@
           <a:p>
             <a:fld id="{4CB23949-D872-4C18-87E1-5AADDA73074B}" type="datetimeFigureOut">
               <a:rPr lang="es-CL" smtClean="0"/>
-              <a:t>09-07-2021</a:t>
+              <a:t>25-10-2021</a:t>
             </a:fld>
             <a:endParaRPr lang="es-CL"/>
           </a:p>
@@ -3465,7 +3465,7 @@
           <a:p>
             <a:fld id="{4CB23949-D872-4C18-87E1-5AADDA73074B}" type="datetimeFigureOut">
               <a:rPr lang="es-CL" smtClean="0"/>
-              <a:t>09-07-2021</a:t>
+              <a:t>25-10-2021</a:t>
             </a:fld>
             <a:endParaRPr lang="es-CL"/>
           </a:p>
@@ -3839,7 +3839,7 @@
           <a:p>
             <a:fld id="{4CB23949-D872-4C18-87E1-5AADDA73074B}" type="datetimeFigureOut">
               <a:rPr lang="es-CL" smtClean="0"/>
-              <a:t>09-07-2021</a:t>
+              <a:t>25-10-2021</a:t>
             </a:fld>
             <a:endParaRPr lang="es-CL"/>
           </a:p>
@@ -3962,7 +3962,7 @@
           <a:p>
             <a:fld id="{4CB23949-D872-4C18-87E1-5AADDA73074B}" type="datetimeFigureOut">
               <a:rPr lang="es-CL" smtClean="0"/>
-              <a:t>09-07-2021</a:t>
+              <a:t>25-10-2021</a:t>
             </a:fld>
             <a:endParaRPr lang="es-CL"/>
           </a:p>
@@ -4057,7 +4057,7 @@
           <a:p>
             <a:fld id="{4CB23949-D872-4C18-87E1-5AADDA73074B}" type="datetimeFigureOut">
               <a:rPr lang="es-CL" smtClean="0"/>
-              <a:t>09-07-2021</a:t>
+              <a:t>25-10-2021</a:t>
             </a:fld>
             <a:endParaRPr lang="es-CL"/>
           </a:p>
@@ -4312,7 +4312,7 @@
           <a:p>
             <a:fld id="{4CB23949-D872-4C18-87E1-5AADDA73074B}" type="datetimeFigureOut">
               <a:rPr lang="es-CL" smtClean="0"/>
-              <a:t>09-07-2021</a:t>
+              <a:t>25-10-2021</a:t>
             </a:fld>
             <a:endParaRPr lang="es-CL"/>
           </a:p>
@@ -4575,7 +4575,7 @@
           <a:p>
             <a:fld id="{4CB23949-D872-4C18-87E1-5AADDA73074B}" type="datetimeFigureOut">
               <a:rPr lang="es-CL" smtClean="0"/>
-              <a:t>09-07-2021</a:t>
+              <a:t>25-10-2021</a:t>
             </a:fld>
             <a:endParaRPr lang="es-CL"/>
           </a:p>
@@ -5318,7 +5318,7 @@
           <a:p>
             <a:fld id="{4CB23949-D872-4C18-87E1-5AADDA73074B}" type="datetimeFigureOut">
               <a:rPr lang="es-CL" smtClean="0"/>
-              <a:t>09-07-2021</a:t>
+              <a:t>25-10-2021</a:t>
             </a:fld>
             <a:endParaRPr lang="es-CL"/>
           </a:p>
@@ -7117,7 +7117,7 @@
                   <a:schemeClr val="tx1"/>
                 </a:solidFill>
               </a:rPr>
-              <a:t>¿Cuáles son los Indicadores de Desarrollo Personal y Social?</a:t>
+              <a:t>¿Cuáles son los INDICADORES DE DESARROLLO PERSONAL Y SOCIAL?</a:t>
             </a:r>
             <a:endParaRPr lang="es-CL" sz="2800" dirty="0">
               <a:solidFill>

--- a/Conceptos Data educacion.pptx
+++ b/Conceptos Data educacion.pptx
@@ -847,7 +847,7 @@
           <a:p>
             <a:fld id="{4CB23949-D872-4C18-87E1-5AADDA73074B}" type="datetimeFigureOut">
               <a:rPr lang="es-CL" smtClean="0"/>
-              <a:t>25-10-2021</a:t>
+              <a:t>29-10-2021</a:t>
             </a:fld>
             <a:endParaRPr lang="es-CL"/>
           </a:p>
@@ -1098,7 +1098,7 @@
           <a:p>
             <a:fld id="{4CB23949-D872-4C18-87E1-5AADDA73074B}" type="datetimeFigureOut">
               <a:rPr lang="es-CL" smtClean="0"/>
-              <a:t>25-10-2021</a:t>
+              <a:t>29-10-2021</a:t>
             </a:fld>
             <a:endParaRPr lang="es-CL"/>
           </a:p>
@@ -1412,7 +1412,7 @@
           <a:p>
             <a:fld id="{4CB23949-D872-4C18-87E1-5AADDA73074B}" type="datetimeFigureOut">
               <a:rPr lang="es-CL" smtClean="0"/>
-              <a:t>25-10-2021</a:t>
+              <a:t>29-10-2021</a:t>
             </a:fld>
             <a:endParaRPr lang="es-CL"/>
           </a:p>
@@ -1753,7 +1753,7 @@
           <a:p>
             <a:fld id="{4CB23949-D872-4C18-87E1-5AADDA73074B}" type="datetimeFigureOut">
               <a:rPr lang="es-CL" smtClean="0"/>
-              <a:t>25-10-2021</a:t>
+              <a:t>29-10-2021</a:t>
             </a:fld>
             <a:endParaRPr lang="es-CL"/>
           </a:p>
@@ -2067,7 +2067,7 @@
           <a:p>
             <a:fld id="{4CB23949-D872-4C18-87E1-5AADDA73074B}" type="datetimeFigureOut">
               <a:rPr lang="es-CL" smtClean="0"/>
-              <a:t>25-10-2021</a:t>
+              <a:t>29-10-2021</a:t>
             </a:fld>
             <a:endParaRPr lang="es-CL"/>
           </a:p>
@@ -2460,7 +2460,7 @@
           <a:p>
             <a:fld id="{4CB23949-D872-4C18-87E1-5AADDA73074B}" type="datetimeFigureOut">
               <a:rPr lang="es-CL" smtClean="0"/>
-              <a:t>25-10-2021</a:t>
+              <a:t>29-10-2021</a:t>
             </a:fld>
             <a:endParaRPr lang="es-CL"/>
           </a:p>
@@ -2630,7 +2630,7 @@
           <a:p>
             <a:fld id="{4CB23949-D872-4C18-87E1-5AADDA73074B}" type="datetimeFigureOut">
               <a:rPr lang="es-CL" smtClean="0"/>
-              <a:t>25-10-2021</a:t>
+              <a:t>29-10-2021</a:t>
             </a:fld>
             <a:endParaRPr lang="es-CL"/>
           </a:p>
@@ -2810,7 +2810,7 @@
           <a:p>
             <a:fld id="{4CB23949-D872-4C18-87E1-5AADDA73074B}" type="datetimeFigureOut">
               <a:rPr lang="es-CL" smtClean="0"/>
-              <a:t>25-10-2021</a:t>
+              <a:t>29-10-2021</a:t>
             </a:fld>
             <a:endParaRPr lang="es-CL"/>
           </a:p>
@@ -2986,7 +2986,7 @@
           <a:p>
             <a:fld id="{4CB23949-D872-4C18-87E1-5AADDA73074B}" type="datetimeFigureOut">
               <a:rPr lang="es-CL" smtClean="0"/>
-              <a:t>25-10-2021</a:t>
+              <a:t>29-10-2021</a:t>
             </a:fld>
             <a:endParaRPr lang="es-CL"/>
           </a:p>
@@ -3233,7 +3233,7 @@
           <a:p>
             <a:fld id="{4CB23949-D872-4C18-87E1-5AADDA73074B}" type="datetimeFigureOut">
               <a:rPr lang="es-CL" smtClean="0"/>
-              <a:t>25-10-2021</a:t>
+              <a:t>29-10-2021</a:t>
             </a:fld>
             <a:endParaRPr lang="es-CL"/>
           </a:p>
@@ -3465,7 +3465,7 @@
           <a:p>
             <a:fld id="{4CB23949-D872-4C18-87E1-5AADDA73074B}" type="datetimeFigureOut">
               <a:rPr lang="es-CL" smtClean="0"/>
-              <a:t>25-10-2021</a:t>
+              <a:t>29-10-2021</a:t>
             </a:fld>
             <a:endParaRPr lang="es-CL"/>
           </a:p>
@@ -3839,7 +3839,7 @@
           <a:p>
             <a:fld id="{4CB23949-D872-4C18-87E1-5AADDA73074B}" type="datetimeFigureOut">
               <a:rPr lang="es-CL" smtClean="0"/>
-              <a:t>25-10-2021</a:t>
+              <a:t>29-10-2021</a:t>
             </a:fld>
             <a:endParaRPr lang="es-CL"/>
           </a:p>
@@ -3962,7 +3962,7 @@
           <a:p>
             <a:fld id="{4CB23949-D872-4C18-87E1-5AADDA73074B}" type="datetimeFigureOut">
               <a:rPr lang="es-CL" smtClean="0"/>
-              <a:t>25-10-2021</a:t>
+              <a:t>29-10-2021</a:t>
             </a:fld>
             <a:endParaRPr lang="es-CL"/>
           </a:p>
@@ -4057,7 +4057,7 @@
           <a:p>
             <a:fld id="{4CB23949-D872-4C18-87E1-5AADDA73074B}" type="datetimeFigureOut">
               <a:rPr lang="es-CL" smtClean="0"/>
-              <a:t>25-10-2021</a:t>
+              <a:t>29-10-2021</a:t>
             </a:fld>
             <a:endParaRPr lang="es-CL"/>
           </a:p>
@@ -4312,7 +4312,7 @@
           <a:p>
             <a:fld id="{4CB23949-D872-4C18-87E1-5AADDA73074B}" type="datetimeFigureOut">
               <a:rPr lang="es-CL" smtClean="0"/>
-              <a:t>25-10-2021</a:t>
+              <a:t>29-10-2021</a:t>
             </a:fld>
             <a:endParaRPr lang="es-CL"/>
           </a:p>
@@ -4575,7 +4575,7 @@
           <a:p>
             <a:fld id="{4CB23949-D872-4C18-87E1-5AADDA73074B}" type="datetimeFigureOut">
               <a:rPr lang="es-CL" smtClean="0"/>
-              <a:t>25-10-2021</a:t>
+              <a:t>29-10-2021</a:t>
             </a:fld>
             <a:endParaRPr lang="es-CL"/>
           </a:p>
@@ -5318,7 +5318,7 @@
           <a:p>
             <a:fld id="{4CB23949-D872-4C18-87E1-5AADDA73074B}" type="datetimeFigureOut">
               <a:rPr lang="es-CL" smtClean="0"/>
-              <a:t>25-10-2021</a:t>
+              <a:t>29-10-2021</a:t>
             </a:fld>
             <a:endParaRPr lang="es-CL"/>
           </a:p>
@@ -9037,13 +9037,13 @@
                     <a:p>
                       <a:pPr algn="ctr" fontAlgn="base"/>
                       <a:r>
-                        <a:rPr lang="es-CL" sz="1500" b="1">
+                        <a:rPr lang="es-CL" sz="1500" b="1" dirty="0">
                           <a:effectLst/>
                           <a:latin typeface="gobclregular"/>
                         </a:rPr>
                         <a:t>Insuficiente</a:t>
                       </a:r>
-                      <a:endParaRPr lang="es-CL" sz="1500">
+                      <a:endParaRPr lang="es-CL" sz="1500" dirty="0">
                         <a:effectLst/>
                         <a:latin typeface="gobclregular"/>
                       </a:endParaRPr>
@@ -9080,13 +9080,13 @@
                     <a:p>
                       <a:pPr algn="ctr" fontAlgn="base"/>
                       <a:r>
-                        <a:rPr lang="es-CL" sz="1500" b="1">
+                        <a:rPr lang="es-CL" sz="1500" b="1" dirty="0">
                           <a:effectLst/>
                           <a:latin typeface="gobclregular"/>
                         </a:rPr>
                         <a:t>Elemental</a:t>
                       </a:r>
-                      <a:endParaRPr lang="es-CL" sz="1500">
+                      <a:endParaRPr lang="es-CL" sz="1500" dirty="0">
                         <a:effectLst/>
                         <a:latin typeface="gobclregular"/>
                       </a:endParaRPr>
@@ -9129,13 +9129,13 @@
                     <a:p>
                       <a:pPr algn="ctr" fontAlgn="base"/>
                       <a:r>
-                        <a:rPr lang="es-CL" sz="1500" b="1">
+                        <a:rPr lang="es-CL" sz="1500" b="1" dirty="0">
                           <a:effectLst/>
                           <a:latin typeface="gobclregular"/>
                         </a:rPr>
                         <a:t>Adecuado</a:t>
                       </a:r>
-                      <a:endParaRPr lang="es-CL" sz="1500">
+                      <a:endParaRPr lang="es-CL" sz="1500" dirty="0">
                         <a:effectLst/>
                         <a:latin typeface="gobclregular"/>
                       </a:endParaRPr>
